--- a/sai meera ibm ppt.pptx
+++ b/sai meera ibm ppt.pptx
@@ -15757,8 +15757,8 @@
         </p:nvSpPr>
         <p:spPr>
           <a:xfrm>
-            <a:off x="565150" y="1369155"/>
-            <a:ext cx="10143599" cy="4458716"/>
+            <a:off x="1196578" y="1875233"/>
+            <a:ext cx="8362821" cy="3333385"/>
           </a:xfrm>
         </p:spPr>
         <p:txBody>
@@ -15768,87 +15768,29 @@
           <a:lstStyle/>
           <a:p>
             <a:r>
-              <a:rPr lang="en-US" b="1" dirty="0">
+              <a:rPr lang="en-US" dirty="0">
                 <a:latin typeface="Times New Roman" panose="02020603050405020304" pitchFamily="18" charset="0"/>
                 <a:cs typeface="Times New Roman" panose="02020603050405020304" pitchFamily="18" charset="0"/>
               </a:rPr>
-              <a:t>Key Metrics: </a:t>
+              <a:t>Key drivers of engagement and satisfaction (e.g., leadership, communication, recognition)
+ Areas for improvement and recommendations
+ Visualization of results (e.g., dashboards, charts, graphs)</a:t>
             </a:r>
+          </a:p>
+          <a:p>
+            <a:endParaRPr lang="en-US" dirty="0">
+              <a:latin typeface="Times New Roman" panose="02020603050405020304" pitchFamily="18" charset="0"/>
+              <a:cs typeface="Times New Roman" panose="02020603050405020304" pitchFamily="18" charset="0"/>
+            </a:endParaRPr>
           </a:p>
           <a:p>
             <a:pPr marL="0" indent="0">
               <a:buNone/>
             </a:pPr>
-            <a:r>
-              <a:rPr lang="en-US" b="1" dirty="0">
-                <a:latin typeface="Times New Roman" panose="02020603050405020304" pitchFamily="18" charset="0"/>
-                <a:cs typeface="Times New Roman" panose="02020603050405020304" pitchFamily="18" charset="0"/>
-              </a:rPr>
-              <a:t>         </a:t>
-            </a:r>
-            <a:r>
-              <a:rPr lang="en-US" dirty="0">
-                <a:latin typeface="Times New Roman" panose="02020603050405020304" pitchFamily="18" charset="0"/>
-                <a:cs typeface="Times New Roman" panose="02020603050405020304" pitchFamily="18" charset="0"/>
-              </a:rPr>
-              <a:t>Present key employability metrics such as adaptability, learning agility, skill relevance, and performance improvement over time. </a:t>
-            </a:r>
-          </a:p>
-          <a:p>
-            <a:r>
-              <a:rPr lang="en-US" b="1" dirty="0">
-                <a:latin typeface="Times New Roman" panose="02020603050405020304" pitchFamily="18" charset="0"/>
-                <a:cs typeface="Times New Roman" panose="02020603050405020304" pitchFamily="18" charset="0"/>
-              </a:rPr>
-              <a:t>Dynamic Insights: </a:t>
-            </a:r>
-          </a:p>
-          <a:p>
-            <a:pPr marL="0" indent="0">
-              <a:buNone/>
-            </a:pPr>
-            <a:r>
-              <a:rPr lang="en-US" b="1" dirty="0">
-                <a:latin typeface="Times New Roman" panose="02020603050405020304" pitchFamily="18" charset="0"/>
-                <a:cs typeface="Times New Roman" panose="02020603050405020304" pitchFamily="18" charset="0"/>
-              </a:rPr>
-              <a:t>          </a:t>
-            </a:r>
-            <a:r>
-              <a:rPr lang="en-US" dirty="0">
-                <a:latin typeface="Times New Roman" panose="02020603050405020304" pitchFamily="18" charset="0"/>
-                <a:cs typeface="Times New Roman" panose="02020603050405020304" pitchFamily="18" charset="0"/>
-              </a:rPr>
-              <a:t>Discuss how the dynamic nature of the tool allows for continuous improvement, providing a real-time snapshot of employability. </a:t>
-            </a:r>
-          </a:p>
-          <a:p>
-            <a:r>
-              <a:rPr lang="en-US" b="1" dirty="0">
-                <a:latin typeface="Times New Roman" panose="02020603050405020304" pitchFamily="18" charset="0"/>
-                <a:cs typeface="Times New Roman" panose="02020603050405020304" pitchFamily="18" charset="0"/>
-              </a:rPr>
-              <a:t>Skill Development Impact: </a:t>
-            </a:r>
-          </a:p>
-          <a:p>
-            <a:pPr marL="0" indent="0">
-              <a:buNone/>
-            </a:pPr>
-            <a:r>
-              <a:rPr lang="en-US" b="1" dirty="0">
-                <a:latin typeface="Times New Roman" panose="02020603050405020304" pitchFamily="18" charset="0"/>
-                <a:cs typeface="Times New Roman" panose="02020603050405020304" pitchFamily="18" charset="0"/>
-              </a:rPr>
-              <a:t>          </a:t>
-            </a:r>
-            <a:r>
-              <a:rPr lang="en-US" dirty="0">
-                <a:latin typeface="Times New Roman" panose="02020603050405020304" pitchFamily="18" charset="0"/>
-                <a:cs typeface="Times New Roman" panose="02020603050405020304" pitchFamily="18" charset="0"/>
-              </a:rPr>
-              <a:t>Explore the impact of targeted training and development programs on employability scores, with case studies of employees who have significantly improved.</a:t>
-            </a:r>
+            <a:endParaRPr lang="en-US" dirty="0">
+              <a:latin typeface="Times New Roman" panose="02020603050405020304" pitchFamily="18" charset="0"/>
+              <a:cs typeface="Times New Roman" panose="02020603050405020304" pitchFamily="18" charset="0"/>
+            </a:endParaRPr>
           </a:p>
         </p:txBody>
       </p:sp>
@@ -15884,10 +15826,10 @@
       </p:grpSpPr>
       <p:pic>
         <p:nvPicPr>
-          <p:cNvPr id="5" name="Content Placeholder 4">
+          <p:cNvPr id="9" name="Content Placeholder 8">
             <a:extLst>
               <a:ext uri="{FF2B5EF4-FFF2-40B4-BE49-F238E27FC236}">
-                <a16:creationId xmlns:a16="http://schemas.microsoft.com/office/drawing/2014/main" id="{374D32C7-B090-D7D5-0927-91BF9E64238F}"/>
+                <a16:creationId xmlns:a16="http://schemas.microsoft.com/office/drawing/2014/main" id="{D69B0A76-DF25-C3F9-8604-80AD3C2D558E}"/>
               </a:ext>
             </a:extLst>
           </p:cNvPr>
@@ -15912,11 +15854,119 @@
         </p:blipFill>
         <p:spPr>
           <a:xfrm>
-            <a:off x="933473" y="1356930"/>
-            <a:ext cx="8430569" cy="4404108"/>
+            <a:off x="1269603" y="1364059"/>
+            <a:ext cx="7624366" cy="3761013"/>
           </a:xfrm>
         </p:spPr>
       </p:pic>
+      <p:sp>
+        <p:nvSpPr>
+          <p:cNvPr id="10" name="TextBox 9">
+            <a:extLst>
+              <a:ext uri="{FF2B5EF4-FFF2-40B4-BE49-F238E27FC236}">
+                <a16:creationId xmlns:a16="http://schemas.microsoft.com/office/drawing/2014/main" id="{7BB84BED-82A7-104B-9BED-80F1AB6A5A4E}"/>
+              </a:ext>
+            </a:extLst>
+          </p:cNvPr>
+          <p:cNvSpPr txBox="1"/>
+          <p:nvPr/>
+        </p:nvSpPr>
+        <p:spPr>
+          <a:xfrm>
+            <a:off x="2125266" y="339328"/>
+            <a:ext cx="8965406" cy="369332"/>
+          </a:xfrm>
+          <a:prstGeom prst="rect">
+            <a:avLst/>
+          </a:prstGeom>
+          <a:noFill/>
+        </p:spPr>
+        <p:txBody>
+          <a:bodyPr wrap="square" rtlCol="0">
+            <a:spAutoFit/>
+          </a:bodyPr>
+          <a:lstStyle/>
+          <a:p>
+            <a:pPr algn="l"/>
+            <a:r>
+              <a:rPr lang="en-US" dirty="0"/>
+              <a:t>KEY DRIVERS OF EMPLOYEE  ENGAGEMENT </a:t>
+            </a:r>
+          </a:p>
+        </p:txBody>
+      </p:sp>
+      <p:sp>
+        <p:nvSpPr>
+          <p:cNvPr id="11" name="TextBox 10">
+            <a:extLst>
+              <a:ext uri="{FF2B5EF4-FFF2-40B4-BE49-F238E27FC236}">
+                <a16:creationId xmlns:a16="http://schemas.microsoft.com/office/drawing/2014/main" id="{B24B9981-DBB0-5BD4-9CB9-0EAFF9AF4FBD}"/>
+              </a:ext>
+            </a:extLst>
+          </p:cNvPr>
+          <p:cNvSpPr txBox="1"/>
+          <p:nvPr/>
+        </p:nvSpPr>
+        <p:spPr>
+          <a:xfrm>
+            <a:off x="3434357" y="5309275"/>
+            <a:ext cx="3995143" cy="369332"/>
+          </a:xfrm>
+          <a:prstGeom prst="rect">
+            <a:avLst/>
+          </a:prstGeom>
+          <a:noFill/>
+        </p:spPr>
+        <p:txBody>
+          <a:bodyPr wrap="square" rtlCol="0">
+            <a:spAutoFit/>
+          </a:bodyPr>
+          <a:lstStyle/>
+          <a:p>
+            <a:pPr algn="l"/>
+            <a:r>
+              <a:rPr lang="en-US" dirty="0"/>
+              <a:t>DRIVERS OF ENGAGEMENT </a:t>
+            </a:r>
+          </a:p>
+        </p:txBody>
+      </p:sp>
+      <p:sp>
+        <p:nvSpPr>
+          <p:cNvPr id="12" name="TextBox 11">
+            <a:extLst>
+              <a:ext uri="{FF2B5EF4-FFF2-40B4-BE49-F238E27FC236}">
+                <a16:creationId xmlns:a16="http://schemas.microsoft.com/office/drawing/2014/main" id="{507D490A-81D7-AB3D-4C04-5B1783C05815}"/>
+              </a:ext>
+            </a:extLst>
+          </p:cNvPr>
+          <p:cNvSpPr txBox="1"/>
+          <p:nvPr/>
+        </p:nvSpPr>
+        <p:spPr>
+          <a:xfrm rot="16200000">
+            <a:off x="-1223786" y="2586930"/>
+            <a:ext cx="4495205" cy="369332"/>
+          </a:xfrm>
+          <a:prstGeom prst="rect">
+            <a:avLst/>
+          </a:prstGeom>
+          <a:noFill/>
+        </p:spPr>
+        <p:txBody>
+          <a:bodyPr wrap="square" rtlCol="0">
+            <a:spAutoFit/>
+          </a:bodyPr>
+          <a:lstStyle/>
+          <a:p>
+            <a:pPr algn="l"/>
+            <a:r>
+              <a:rPr lang="en-US" dirty="0"/>
+              <a:t>EMPLOYEE  ENGAGEMENT </a:t>
+            </a:r>
+          </a:p>
+        </p:txBody>
+      </p:sp>
     </p:spTree>
     <p:extLst>
       <p:ext uri="{BB962C8B-B14F-4D97-AF65-F5344CB8AC3E}">
@@ -16033,7 +16083,7 @@
                 <a:latin typeface="Times New Roman" panose="02020603050405020304" pitchFamily="18" charset="0"/>
                 <a:cs typeface="Times New Roman" panose="02020603050405020304" pitchFamily="18" charset="0"/>
               </a:rPr>
-              <a:t>        Summarize how the dynamic analysis has provided actionable insights into employee development and employability enhancement. </a:t>
+              <a:t>        The data highlighted the importance of leadership, communication, and recognition in driving engagement</a:t>
             </a:r>
           </a:p>
           <a:p>
@@ -16049,15 +16099,21 @@
             </a:r>
           </a:p>
           <a:p>
-            <a:pPr marL="0" indent="0">
-              <a:buNone/>
-            </a:pPr>
             <a:r>
               <a:rPr lang="en-US" dirty="0">
                 <a:latin typeface="Times New Roman" panose="02020603050405020304" pitchFamily="18" charset="0"/>
                 <a:cs typeface="Times New Roman" panose="02020603050405020304" pitchFamily="18" charset="0"/>
               </a:rPr>
-              <a:t>        Offer recommendations for continuous skill development, focusing on agility, upskilling, and alignment with market demands. </a:t>
+              <a:t> Implement regular pulse surveys to monitor engagement and satisfaction</a:t>
+            </a:r>
+          </a:p>
+          <a:p>
+            <a:r>
+              <a:rPr lang="en-US" dirty="0">
+                <a:latin typeface="Times New Roman" panose="02020603050405020304" pitchFamily="18" charset="0"/>
+                <a:cs typeface="Times New Roman" panose="02020603050405020304" pitchFamily="18" charset="0"/>
+              </a:rPr>
+              <a:t>Foster a culture of open communication and recognition</a:t>
             </a:r>
           </a:p>
           <a:p>
@@ -16077,11 +16133,30 @@
               <a:buNone/>
             </a:pPr>
             <a:r>
+              <a:rPr lang="en-US">
+                <a:latin typeface="Times New Roman" panose="02020603050405020304" pitchFamily="18" charset="0"/>
+                <a:cs typeface="Times New Roman" panose="02020603050405020304" pitchFamily="18" charset="0"/>
+              </a:rPr>
+              <a:t>   Continuous </a:t>
+            </a:r>
+            <a:r>
               <a:rPr lang="en-US" dirty="0">
                 <a:latin typeface="Times New Roman" panose="02020603050405020304" pitchFamily="18" charset="0"/>
                 <a:cs typeface="Times New Roman" panose="02020603050405020304" pitchFamily="18" charset="0"/>
               </a:rPr>
-              <a:t>         Propose expanding the tool to include predictive modeling and integration with other HR systems for a comprehensive talent management solution.</a:t>
+              <a:t>monitoring and analysis of employee engagement and satisfaction will be crucial for driving meaningful change.</a:t>
+            </a:r>
+          </a:p>
+          <a:p>
+            <a:pPr marL="0" indent="0">
+              <a:buNone/>
+            </a:pPr>
+            <a:r>
+              <a:rPr lang="en-US" dirty="0">
+                <a:latin typeface="Times New Roman" panose="02020603050405020304" pitchFamily="18" charset="0"/>
+                <a:cs typeface="Times New Roman" panose="02020603050405020304" pitchFamily="18" charset="0"/>
+              </a:rPr>
+              <a:t>By prioritizing employee engagement and satisfaction, the organization can unlock its full potential and achieve long-term success.</a:t>
             </a:r>
           </a:p>
         </p:txBody>
@@ -16179,15 +16254,11 @@
               <a:buNone/>
             </a:pPr>
             <a:r>
-              <a:rPr lang="en-US" dirty="0"/>
-              <a:t> </a:t>
-            </a:r>
-            <a:r>
               <a:rPr lang="en-US" sz="2800" b="1" dirty="0">
                 <a:latin typeface="Times New Roman" panose="02020603050405020304" pitchFamily="18" charset="0"/>
                 <a:cs typeface="Times New Roman" panose="02020603050405020304" pitchFamily="18" charset="0"/>
               </a:rPr>
-              <a:t>Employee Performance Analysis Using Excel </a:t>
+              <a:t>Employee engagement and satisfaction Using Excel </a:t>
             </a:r>
           </a:p>
         </p:txBody>
@@ -16454,13 +16525,13 @@
         </p:nvSpPr>
         <p:spPr>
           <a:xfrm>
-            <a:off x="565150" y="1628394"/>
+            <a:off x="1011635" y="1646254"/>
             <a:ext cx="9094740" cy="4178290"/>
           </a:xfrm>
         </p:spPr>
         <p:txBody>
           <a:bodyPr>
-            <a:normAutofit lnSpcReduction="10000"/>
+            <a:normAutofit/>
           </a:bodyPr>
           <a:lstStyle/>
           <a:p>
@@ -16484,17 +16555,8 @@
                 <a:latin typeface="Times New Roman" panose="02020603050405020304" pitchFamily="18" charset="0"/>
                 <a:cs typeface="Times New Roman" panose="02020603050405020304" pitchFamily="18" charset="0"/>
               </a:rPr>
-              <a:t>        Organizations need to ensure that their employees' skills and competencies are constantly evolving to meet the demands of the modern workplace. The challenge is to dynamically assess and enhance employability factors to ensure a future-ready workforce. </a:t>
+              <a:t>        Employee engagement and satisfaction are crucial for organizational success, yet many companies struggle to measure and improve them.</a:t>
             </a:r>
-          </a:p>
-          <a:p>
-            <a:pPr marL="0" indent="0">
-              <a:buNone/>
-            </a:pPr>
-            <a:endParaRPr lang="en-US" dirty="0">
-              <a:latin typeface="Times New Roman" panose="02020603050405020304" pitchFamily="18" charset="0"/>
-              <a:cs typeface="Times New Roman" panose="02020603050405020304" pitchFamily="18" charset="0"/>
-            </a:endParaRPr>
           </a:p>
           <a:p>
             <a:pPr marL="0" indent="0">
@@ -16509,16 +16571,37 @@
             </a:r>
           </a:p>
           <a:p>
-            <a:pPr marL="0" indent="0">
-              <a:buNone/>
-            </a:pPr>
             <a:r>
               <a:rPr lang="en-US" dirty="0">
                 <a:latin typeface="Times New Roman" panose="02020603050405020304" pitchFamily="18" charset="0"/>
                 <a:cs typeface="Times New Roman" panose="02020603050405020304" pitchFamily="18" charset="0"/>
               </a:rPr>
-              <a:t>       To create an Excel-based dynamic assessment tool that evaluates and enhances employee employability by continuously tracking and analyzing various employability metrics.</a:t>
+              <a:t> To Identify key drivers of employee engagement and satisfaction</a:t>
             </a:r>
+          </a:p>
+          <a:p>
+            <a:r>
+              <a:rPr lang="en-US" dirty="0">
+                <a:latin typeface="Times New Roman" panose="02020603050405020304" pitchFamily="18" charset="0"/>
+                <a:cs typeface="Times New Roman" panose="02020603050405020304" pitchFamily="18" charset="0"/>
+              </a:rPr>
+              <a:t> To Develop a data-driven approach to measure and improve engagement and satisfaction</a:t>
+            </a:r>
+          </a:p>
+          <a:p>
+            <a:endParaRPr lang="en-US" dirty="0">
+              <a:latin typeface="Times New Roman" panose="02020603050405020304" pitchFamily="18" charset="0"/>
+              <a:cs typeface="Times New Roman" panose="02020603050405020304" pitchFamily="18" charset="0"/>
+            </a:endParaRPr>
+          </a:p>
+          <a:p>
+            <a:pPr marL="0" indent="0">
+              <a:buNone/>
+            </a:pPr>
+            <a:endParaRPr lang="en-US" dirty="0">
+              <a:latin typeface="Times New Roman" panose="02020603050405020304" pitchFamily="18" charset="0"/>
+              <a:cs typeface="Times New Roman" panose="02020603050405020304" pitchFamily="18" charset="0"/>
+            </a:endParaRPr>
           </a:p>
         </p:txBody>
       </p:sp>
@@ -16638,7 +16721,29 @@
                 <a:latin typeface="Times New Roman" panose="02020603050405020304" pitchFamily="18" charset="0"/>
                 <a:cs typeface="Times New Roman" panose="02020603050405020304" pitchFamily="18" charset="0"/>
               </a:rPr>
-              <a:t>        This project seeks to build a real-time monitoring system using Excel that will dynamically evaluate employability factors such as adaptability, upskilling, and learning agility, alongside traditional metrics like performance and experience. </a:t>
+              <a:t>The purpose of this project is to develop a data-driven approach to measure and improve employee engagement and satisfaction, enabling organizations to increase productivity, retention, and overall success.</a:t>
+            </a:r>
+          </a:p>
+          <a:p>
+            <a:pPr marL="0" indent="0">
+              <a:buNone/>
+            </a:pPr>
+            <a:r>
+              <a:rPr lang="en-US" dirty="0">
+                <a:latin typeface="Times New Roman" panose="02020603050405020304" pitchFamily="18" charset="0"/>
+                <a:cs typeface="Times New Roman" panose="02020603050405020304" pitchFamily="18" charset="0"/>
+              </a:rPr>
+              <a:t>Scope </a:t>
+            </a:r>
+          </a:p>
+          <a:p>
+            <a:r>
+              <a:rPr lang="en-US" dirty="0">
+                <a:latin typeface="Times New Roman" panose="02020603050405020304" pitchFamily="18" charset="0"/>
+                <a:cs typeface="Times New Roman" panose="02020603050405020304" pitchFamily="18" charset="0"/>
+              </a:rPr>
+              <a:t> Analyze employee survey data to identify key drivers of engagement and satisfaction
+ Create visualizations and dashboards to facilitate understanding and inform decision-making</a:t>
             </a:r>
           </a:p>
           <a:p>
@@ -16654,25 +16759,10 @@
             <a:pPr marL="0" indent="0">
               <a:buNone/>
             </a:pPr>
-            <a:r>
-              <a:rPr lang="en-US" dirty="0">
-                <a:latin typeface="Times New Roman" panose="02020603050405020304" pitchFamily="18" charset="0"/>
-                <a:cs typeface="Times New Roman" panose="02020603050405020304" pitchFamily="18" charset="0"/>
-              </a:rPr>
-              <a:t>Scope </a:t>
-            </a:r>
-          </a:p>
-          <a:p>
-            <a:pPr marL="0" indent="0">
-              <a:buNone/>
-            </a:pPr>
-            <a:r>
-              <a:rPr lang="en-US" dirty="0">
-                <a:latin typeface="Times New Roman" panose="02020603050405020304" pitchFamily="18" charset="0"/>
-                <a:cs typeface="Times New Roman" panose="02020603050405020304" pitchFamily="18" charset="0"/>
-              </a:rPr>
-              <a:t>          The tool will focus on continuously updating data, reflecting changes in employee skills, industry requirements, and company needs, thus providing a dynamic view of employability.</a:t>
-            </a:r>
+            <a:endParaRPr lang="en-US" dirty="0">
+              <a:latin typeface="Times New Roman" panose="02020603050405020304" pitchFamily="18" charset="0"/>
+              <a:cs typeface="Times New Roman" panose="02020603050405020304" pitchFamily="18" charset="0"/>
+            </a:endParaRPr>
           </a:p>
         </p:txBody>
       </p:sp>
@@ -16763,7 +16853,7 @@
         <p:spPr>
           <a:xfrm>
             <a:off x="565150" y="1198010"/>
-            <a:ext cx="10571460" cy="4669057"/>
+            <a:ext cx="9529265" cy="4045411"/>
           </a:xfrm>
         </p:spPr>
         <p:txBody>
@@ -16776,11 +16866,11 @@
               <a:buNone/>
             </a:pPr>
             <a:r>
-              <a:rPr lang="en-US" b="1" dirty="0">
+              <a:rPr lang="en-US" dirty="0">
                 <a:latin typeface="Times New Roman" panose="02020603050405020304" pitchFamily="18" charset="0"/>
                 <a:cs typeface="Times New Roman" panose="02020603050405020304" pitchFamily="18" charset="0"/>
               </a:rPr>
-              <a:t>Continuous Improvement Teams</a:t>
+              <a:t>HR professionals seeking to improve employee engagement and satisfaction</a:t>
             </a:r>
           </a:p>
           <a:p>
@@ -16792,19 +16882,8 @@
                 <a:latin typeface="Times New Roman" panose="02020603050405020304" pitchFamily="18" charset="0"/>
                 <a:cs typeface="Times New Roman" panose="02020603050405020304" pitchFamily="18" charset="0"/>
               </a:rPr>
-              <a:t>        To monitor and act on employability metrics. </a:t>
-            </a:r>
-          </a:p>
-          <a:p>
-            <a:pPr marL="0" indent="0">
-              <a:buNone/>
-            </a:pPr>
-            <a:r>
-              <a:rPr lang="en-US" b="1" dirty="0">
-                <a:latin typeface="Times New Roman" panose="02020603050405020304" pitchFamily="18" charset="0"/>
-                <a:cs typeface="Times New Roman" panose="02020603050405020304" pitchFamily="18" charset="0"/>
-              </a:rPr>
-              <a:t>Talent Acquisition and Management</a:t>
+              <a:t>
+- Managers looking to enhance team performance and productivity</a:t>
             </a:r>
           </a:p>
           <a:p>
@@ -16816,63 +16895,27 @@
                 <a:latin typeface="Times New Roman" panose="02020603050405020304" pitchFamily="18" charset="0"/>
                 <a:cs typeface="Times New Roman" panose="02020603050405020304" pitchFamily="18" charset="0"/>
               </a:rPr>
-              <a:t>         To ensure alignment between recruitment strategies and internal skill development.</a:t>
+              <a:t>
+- Employees who want to provide feedback and see meaningful change</a:t>
             </a:r>
           </a:p>
           <a:p>
             <a:pPr marL="0" indent="0">
               <a:buNone/>
             </a:pPr>
-            <a:r>
-              <a:rPr lang="en-US" dirty="0">
-                <a:latin typeface="Times New Roman" panose="02020603050405020304" pitchFamily="18" charset="0"/>
-                <a:cs typeface="Times New Roman" panose="02020603050405020304" pitchFamily="18" charset="0"/>
-              </a:rPr>
-              <a:t> </a:t>
-            </a:r>
-            <a:r>
-              <a:rPr lang="en-US" b="1" dirty="0">
-                <a:latin typeface="Times New Roman" panose="02020603050405020304" pitchFamily="18" charset="0"/>
-                <a:cs typeface="Times New Roman" panose="02020603050405020304" pitchFamily="18" charset="0"/>
-              </a:rPr>
-              <a:t>Employees</a:t>
-            </a:r>
+            <a:endParaRPr lang="en-US" dirty="0">
+              <a:latin typeface="Times New Roman" panose="02020603050405020304" pitchFamily="18" charset="0"/>
+              <a:cs typeface="Times New Roman" panose="02020603050405020304" pitchFamily="18" charset="0"/>
+            </a:endParaRPr>
           </a:p>
           <a:p>
             <a:pPr marL="0" indent="0">
               <a:buNone/>
             </a:pPr>
-            <a:r>
-              <a:rPr lang="en-US" dirty="0">
-                <a:latin typeface="Times New Roman" panose="02020603050405020304" pitchFamily="18" charset="0"/>
-                <a:cs typeface="Times New Roman" panose="02020603050405020304" pitchFamily="18" charset="0"/>
-              </a:rPr>
-              <a:t>         To self-assess their employability and identify areas for personal development. </a:t>
-            </a:r>
-          </a:p>
-          <a:p>
-            <a:pPr marL="0" indent="0">
-              <a:buNone/>
-            </a:pPr>
-            <a:r>
-              <a:rPr lang="en-US" b="1" dirty="0">
-                <a:latin typeface="Times New Roman" panose="02020603050405020304" pitchFamily="18" charset="0"/>
-                <a:cs typeface="Times New Roman" panose="02020603050405020304" pitchFamily="18" charset="0"/>
-              </a:rPr>
-              <a:t>Executive Leadership</a:t>
-            </a:r>
-          </a:p>
-          <a:p>
-            <a:pPr marL="0" indent="0">
-              <a:buNone/>
-            </a:pPr>
-            <a:r>
-              <a:rPr lang="en-US" dirty="0">
-                <a:latin typeface="Times New Roman" panose="02020603050405020304" pitchFamily="18" charset="0"/>
-                <a:cs typeface="Times New Roman" panose="02020603050405020304" pitchFamily="18" charset="0"/>
-              </a:rPr>
-              <a:t>        To make informed decisions on workforce development and strategic planning.</a:t>
-            </a:r>
+            <a:endParaRPr lang="en-US" dirty="0">
+              <a:latin typeface="Times New Roman" panose="02020603050405020304" pitchFamily="18" charset="0"/>
+              <a:cs typeface="Times New Roman" panose="02020603050405020304" pitchFamily="18" charset="0"/>
+            </a:endParaRPr>
           </a:p>
         </p:txBody>
       </p:sp>
@@ -16984,15 +17027,34 @@
             </a:r>
           </a:p>
           <a:p>
-            <a:pPr marL="0" indent="0">
-              <a:buNone/>
-            </a:pPr>
             <a:r>
               <a:rPr lang="en-US" dirty="0">
                 <a:latin typeface="Times New Roman" panose="02020603050405020304" pitchFamily="18" charset="0"/>
                 <a:cs typeface="Times New Roman" panose="02020603050405020304" pitchFamily="18" charset="0"/>
               </a:rPr>
-              <a:t>          Develop an Excel-based dynamic dashboard that aggregates employability data and automatically updates it to reflect new training, performance outcomes, and evolving job market trends. This tool will highlight areas for immediate improvement and long-term development. </a:t>
+              <a:t> </a:t>
+            </a:r>
+            <a:r>
+              <a:rPr lang="en-US" dirty="0"/>
+              <a:t>Analyze employee survey data</a:t>
+            </a:r>
+          </a:p>
+          <a:p>
+            <a:r>
+              <a:rPr lang="en-US" dirty="0"/>
+              <a:t>Identify key drivers of engagement and satisfaction</a:t>
+            </a:r>
+          </a:p>
+          <a:p>
+            <a:r>
+              <a:rPr lang="en-US" dirty="0"/>
+              <a:t>Create visualizations and dashboards for informed decision-making</a:t>
+            </a:r>
+          </a:p>
+          <a:p>
+            <a:r>
+              <a:rPr lang="en-US" dirty="0"/>
+              <a:t>Develop recommendations for improvement</a:t>
             </a:r>
           </a:p>
           <a:p>
@@ -17016,7 +17078,58 @@
                 <a:latin typeface="Times New Roman" panose="02020603050405020304" pitchFamily="18" charset="0"/>
                 <a:cs typeface="Times New Roman" panose="02020603050405020304" pitchFamily="18" charset="0"/>
               </a:rPr>
-              <a:t>            The solution provides a proactive approach to workforce development, ensuring employees are equipped with the latest skills and competencies. This leads to increased employability, better job performance, and improved organizational agility.</a:t>
+              <a:t>Enhance employee experience and overall well-being</a:t>
+            </a:r>
+          </a:p>
+          <a:p>
+            <a:pPr marL="0" indent="0">
+              <a:buNone/>
+            </a:pPr>
+            <a:r>
+              <a:rPr lang="en-US" dirty="0">
+                <a:latin typeface="Times New Roman" panose="02020603050405020304" pitchFamily="18" charset="0"/>
+                <a:cs typeface="Times New Roman" panose="02020603050405020304" pitchFamily="18" charset="0"/>
+              </a:rPr>
+              <a:t>Improve productivity and retention</a:t>
+            </a:r>
+          </a:p>
+          <a:p>
+            <a:pPr marL="0" indent="0">
+              <a:buNone/>
+            </a:pPr>
+            <a:endParaRPr lang="en-US" dirty="0">
+              <a:latin typeface="Times New Roman" panose="02020603050405020304" pitchFamily="18" charset="0"/>
+              <a:cs typeface="Times New Roman" panose="02020603050405020304" pitchFamily="18" charset="0"/>
+            </a:endParaRPr>
+          </a:p>
+          <a:p>
+            <a:pPr marL="0" indent="0">
+              <a:buNone/>
+            </a:pPr>
+            <a:endParaRPr lang="en-US" dirty="0">
+              <a:latin typeface="Times New Roman" panose="02020603050405020304" pitchFamily="18" charset="0"/>
+              <a:cs typeface="Times New Roman" panose="02020603050405020304" pitchFamily="18" charset="0"/>
+            </a:endParaRPr>
+          </a:p>
+          <a:p>
+            <a:pPr marL="0" indent="0">
+              <a:buNone/>
+            </a:pPr>
+            <a:endParaRPr lang="en-US" b="1" dirty="0">
+              <a:latin typeface="Times New Roman" panose="02020603050405020304" pitchFamily="18" charset="0"/>
+              <a:cs typeface="Times New Roman" panose="02020603050405020304" pitchFamily="18" charset="0"/>
+            </a:endParaRPr>
+          </a:p>
+          <a:p>
+            <a:pPr marL="0" indent="0">
+              <a:buNone/>
+            </a:pPr>
+            <a:r>
+              <a:rPr lang="en-US" dirty="0">
+                <a:latin typeface="Times New Roman" panose="02020603050405020304" pitchFamily="18" charset="0"/>
+                <a:cs typeface="Times New Roman" panose="02020603050405020304" pitchFamily="18" charset="0"/>
+              </a:rPr>
+              <a:t>          </a:t>
             </a:r>
           </a:p>
         </p:txBody>
@@ -17107,8 +17220,8 @@
         </p:nvSpPr>
         <p:spPr>
           <a:xfrm>
-            <a:off x="412528" y="1201158"/>
-            <a:ext cx="10718155" cy="4816493"/>
+            <a:off x="964406" y="1482328"/>
+            <a:ext cx="10166277" cy="4416783"/>
           </a:xfrm>
         </p:spPr>
         <p:txBody>
@@ -17118,99 +17231,50 @@
           <a:lstStyle/>
           <a:p>
             <a:r>
-              <a:rPr lang="en-US" b="1" dirty="0">
+              <a:rPr lang="en-US" dirty="0">
                 <a:latin typeface="Times New Roman" panose="02020603050405020304" pitchFamily="18" charset="0"/>
                 <a:cs typeface="Times New Roman" panose="02020603050405020304" pitchFamily="18" charset="0"/>
               </a:rPr>
-              <a:t>Real-Time Skills Inventory:</a:t>
+              <a:t>Employee survey data (e.g., engagement, satisfaction, demographics)
+ HR data (e.g., turnover rates, absenteeism, performance metrics)</a:t>
             </a:r>
+          </a:p>
+          <a:p>
             <a:r>
               <a:rPr lang="en-US" dirty="0">
                 <a:latin typeface="Times New Roman" panose="02020603050405020304" pitchFamily="18" charset="0"/>
                 <a:cs typeface="Times New Roman" panose="02020603050405020304" pitchFamily="18" charset="0"/>
               </a:rPr>
-              <a:t> An up-to-date list of employee skills, certifications, and proficiency levels. </a:t>
+              <a:t>Employee Demographics- Age, tenure, job role, department, location, etc.
+Survey Response Rates- Percentage of employees who responded to the survey, response rates by department or job role, etc.</a:t>
             </a:r>
           </a:p>
           <a:p>
-            <a:r>
-              <a:rPr lang="en-US" b="1" dirty="0">
-                <a:latin typeface="Times New Roman" panose="02020603050405020304" pitchFamily="18" charset="0"/>
-                <a:cs typeface="Times New Roman" panose="02020603050405020304" pitchFamily="18" charset="0"/>
-              </a:rPr>
-              <a:t>Performance Reviews: </a:t>
-            </a:r>
             <a:r>
               <a:rPr lang="en-US" dirty="0">
                 <a:latin typeface="Times New Roman" panose="02020603050405020304" pitchFamily="18" charset="0"/>
                 <a:cs typeface="Times New Roman" panose="02020603050405020304" pitchFamily="18" charset="0"/>
               </a:rPr>
-              <a:t>Continuous performance ratings and feedback. </a:t>
+              <a:t>Historical Trends -Previous survey results, year-over-year changes in engagement and satisfaction scores, etc.</a:t>
             </a:r>
           </a:p>
           <a:p>
-            <a:r>
-              <a:rPr lang="en-US" b="1" dirty="0">
-                <a:latin typeface="Times New Roman" panose="02020603050405020304" pitchFamily="18" charset="0"/>
-                <a:cs typeface="Times New Roman" panose="02020603050405020304" pitchFamily="18" charset="0"/>
-              </a:rPr>
-              <a:t>Training Logs:</a:t>
-            </a:r>
-            <a:r>
-              <a:rPr lang="en-US" dirty="0">
-                <a:latin typeface="Times New Roman" panose="02020603050405020304" pitchFamily="18" charset="0"/>
-                <a:cs typeface="Times New Roman" panose="02020603050405020304" pitchFamily="18" charset="0"/>
-              </a:rPr>
-              <a:t> Records of all training programs, both completed and in-progress, with performance indicators. </a:t>
-            </a:r>
+            <a:endParaRPr lang="en-US" dirty="0">
+              <a:latin typeface="Times New Roman" panose="02020603050405020304" pitchFamily="18" charset="0"/>
+              <a:cs typeface="Times New Roman" panose="02020603050405020304" pitchFamily="18" charset="0"/>
+            </a:endParaRPr>
           </a:p>
           <a:p>
-            <a:r>
-              <a:rPr lang="en-US" b="1" dirty="0">
-                <a:latin typeface="Times New Roman" panose="02020603050405020304" pitchFamily="18" charset="0"/>
-                <a:cs typeface="Times New Roman" panose="02020603050405020304" pitchFamily="18" charset="0"/>
-              </a:rPr>
-              <a:t>Market Skill Requirements: </a:t>
-            </a:r>
-            <a:r>
-              <a:rPr lang="en-US" dirty="0">
-                <a:latin typeface="Times New Roman" panose="02020603050405020304" pitchFamily="18" charset="0"/>
-                <a:cs typeface="Times New Roman" panose="02020603050405020304" pitchFamily="18" charset="0"/>
-              </a:rPr>
-              <a:t>Industry reports and job postings data to capture current and emerging skill demands. </a:t>
-            </a:r>
+            <a:endParaRPr lang="en-US" dirty="0">
+              <a:latin typeface="Times New Roman" panose="02020603050405020304" pitchFamily="18" charset="0"/>
+              <a:cs typeface="Times New Roman" panose="02020603050405020304" pitchFamily="18" charset="0"/>
+            </a:endParaRPr>
           </a:p>
           <a:p>
-            <a:r>
-              <a:rPr lang="en-US" b="1" dirty="0">
-                <a:latin typeface="Times New Roman" panose="02020603050405020304" pitchFamily="18" charset="0"/>
-                <a:cs typeface="Times New Roman" panose="02020603050405020304" pitchFamily="18" charset="0"/>
-              </a:rPr>
-              <a:t>Employee Feedback: </a:t>
-            </a:r>
-            <a:r>
-              <a:rPr lang="en-US" dirty="0">
-                <a:latin typeface="Times New Roman" panose="02020603050405020304" pitchFamily="18" charset="0"/>
-                <a:cs typeface="Times New Roman" panose="02020603050405020304" pitchFamily="18" charset="0"/>
-              </a:rPr>
-              <a:t>Regular surveys and feedback forms on learning and development needs. </a:t>
-            </a:r>
-          </a:p>
-          <a:p>
-            <a:r>
-              <a:rPr lang="en-US" b="1" dirty="0">
-                <a:latin typeface="Times New Roman" panose="02020603050405020304" pitchFamily="18" charset="0"/>
-                <a:cs typeface="Times New Roman" panose="02020603050405020304" pitchFamily="18" charset="0"/>
-              </a:rPr>
-              <a:t>Data Structure: </a:t>
-            </a:r>
-            <a:r>
-              <a:rPr lang="en-US" dirty="0">
-                <a:latin typeface="Times New Roman" panose="02020603050405020304" pitchFamily="18" charset="0"/>
-                <a:cs typeface="Times New Roman" panose="02020603050405020304" pitchFamily="18" charset="0"/>
-              </a:rPr>
-              <a:t>Dynamic Excel sheets that can be updated periodically or in real-time through data imports or manual inputs.</a:t>
-            </a:r>
+            <a:endParaRPr lang="en-US" dirty="0">
+              <a:latin typeface="Times New Roman" panose="02020603050405020304" pitchFamily="18" charset="0"/>
+              <a:cs typeface="Times New Roman" panose="02020603050405020304" pitchFamily="18" charset="0"/>
+            </a:endParaRPr>
           </a:p>
         </p:txBody>
       </p:sp>
@@ -17300,8 +17364,8 @@
         </p:nvSpPr>
         <p:spPr>
           <a:xfrm>
-            <a:off x="565150" y="1414316"/>
-            <a:ext cx="10730379" cy="4905802"/>
+            <a:off x="422275" y="1308032"/>
+            <a:ext cx="10081091" cy="4463615"/>
           </a:xfrm>
         </p:spPr>
         <p:txBody>
@@ -17311,111 +17375,26 @@
           <a:lstStyle/>
           <a:p>
             <a:r>
-              <a:rPr lang="en-US" b="1" dirty="0">
-                <a:latin typeface="Times New Roman" panose="02020603050405020304" pitchFamily="18" charset="0"/>
-                <a:cs typeface="Times New Roman" panose="02020603050405020304" pitchFamily="18" charset="0"/>
-              </a:rPr>
-              <a:t>Data Integration:</a:t>
-            </a:r>
-            <a:r>
               <a:rPr lang="en-US" dirty="0">
                 <a:latin typeface="Times New Roman" panose="02020603050405020304" pitchFamily="18" charset="0"/>
                 <a:cs typeface="Times New Roman" panose="02020603050405020304" pitchFamily="18" charset="0"/>
               </a:rPr>
-              <a:t> Combine various data sources into an Excel model that automatically updates employability metrics. </a:t>
+              <a:t>Descriptive analytics: summarizing and visualizing data to understand trends and patterns
+Inferential analytics: identifying correlations and drivers of engagement and satisfaction
+Predictive analytics: forecasting future engagement and satisfaction levels</a:t>
             </a:r>
           </a:p>
           <a:p>
-            <a:r>
-              <a:rPr lang="en-US" b="1" dirty="0">
-                <a:latin typeface="Times New Roman" panose="02020603050405020304" pitchFamily="18" charset="0"/>
-                <a:cs typeface="Times New Roman" panose="02020603050405020304" pitchFamily="18" charset="0"/>
-              </a:rPr>
-              <a:t>Dynamic Scoring System:</a:t>
-            </a:r>
-            <a:r>
-              <a:rPr lang="en-US" dirty="0">
-                <a:latin typeface="Times New Roman" panose="02020603050405020304" pitchFamily="18" charset="0"/>
-                <a:cs typeface="Times New Roman" panose="02020603050405020304" pitchFamily="18" charset="0"/>
-              </a:rPr>
-              <a:t> Develop a scoring system that adjusts based on real-time data input (e.g., new certifications increase employability scores).</a:t>
-            </a:r>
+            <a:endParaRPr lang="en-US" dirty="0">
+              <a:latin typeface="Times New Roman" panose="02020603050405020304" pitchFamily="18" charset="0"/>
+              <a:cs typeface="Times New Roman" panose="02020603050405020304" pitchFamily="18" charset="0"/>
+            </a:endParaRPr>
           </a:p>
           <a:p>
-            <a:r>
-              <a:rPr lang="en-US" b="1" dirty="0">
-                <a:latin typeface="Times New Roman" panose="02020603050405020304" pitchFamily="18" charset="0"/>
-                <a:cs typeface="Times New Roman" panose="02020603050405020304" pitchFamily="18" charset="0"/>
-              </a:rPr>
-              <a:t>Trend Analysis: </a:t>
-            </a:r>
-            <a:r>
-              <a:rPr lang="en-US" dirty="0">
-                <a:latin typeface="Times New Roman" panose="02020603050405020304" pitchFamily="18" charset="0"/>
-                <a:cs typeface="Times New Roman" panose="02020603050405020304" pitchFamily="18" charset="0"/>
-              </a:rPr>
-              <a:t>Use Excel’s data visualization tools (e.g., </a:t>
-            </a:r>
-            <a:r>
-              <a:rPr lang="en-US" dirty="0" err="1">
-                <a:latin typeface="Times New Roman" panose="02020603050405020304" pitchFamily="18" charset="0"/>
-                <a:cs typeface="Times New Roman" panose="02020603050405020304" pitchFamily="18" charset="0"/>
-              </a:rPr>
-              <a:t>Sparklines</a:t>
-            </a:r>
-            <a:r>
-              <a:rPr lang="en-US" dirty="0">
-                <a:latin typeface="Times New Roman" panose="02020603050405020304" pitchFamily="18" charset="0"/>
-                <a:cs typeface="Times New Roman" panose="02020603050405020304" pitchFamily="18" charset="0"/>
-              </a:rPr>
-              <a:t>, Dynamic Graphs) to track changes in employability over time, identifying upward or downward trends. </a:t>
-            </a:r>
-          </a:p>
-          <a:p>
-            <a:r>
-              <a:rPr lang="en-US" b="1" dirty="0">
-                <a:latin typeface="Times New Roman" panose="02020603050405020304" pitchFamily="18" charset="0"/>
-                <a:cs typeface="Times New Roman" panose="02020603050405020304" pitchFamily="18" charset="0"/>
-              </a:rPr>
-              <a:t>Gap Analysis: </a:t>
-            </a:r>
-            <a:r>
-              <a:rPr lang="en-US" dirty="0">
-                <a:latin typeface="Times New Roman" panose="02020603050405020304" pitchFamily="18" charset="0"/>
-                <a:cs typeface="Times New Roman" panose="02020603050405020304" pitchFamily="18" charset="0"/>
-              </a:rPr>
-              <a:t>Implement a gap analysis module that highlights current skill deficiencies relative to industry standards and job role requirements. </a:t>
-            </a:r>
-          </a:p>
-          <a:p>
-            <a:r>
-              <a:rPr lang="en-US" b="1" dirty="0">
-                <a:latin typeface="Times New Roman" panose="02020603050405020304" pitchFamily="18" charset="0"/>
-                <a:cs typeface="Times New Roman" panose="02020603050405020304" pitchFamily="18" charset="0"/>
-              </a:rPr>
-              <a:t>Predictive Analytics:</a:t>
-            </a:r>
-            <a:r>
-              <a:rPr lang="en-US" dirty="0">
-                <a:latin typeface="Times New Roman" panose="02020603050405020304" pitchFamily="18" charset="0"/>
-                <a:cs typeface="Times New Roman" panose="02020603050405020304" pitchFamily="18" charset="0"/>
-              </a:rPr>
-              <a:t> Use Excel’s Data Analysis </a:t>
-            </a:r>
-            <a:r>
-              <a:rPr lang="en-US" dirty="0" err="1">
-                <a:latin typeface="Times New Roman" panose="02020603050405020304" pitchFamily="18" charset="0"/>
-                <a:cs typeface="Times New Roman" panose="02020603050405020304" pitchFamily="18" charset="0"/>
-              </a:rPr>
-              <a:t>Toolpak</a:t>
-            </a:r>
-            <a:r>
-              <a:rPr lang="en-US" dirty="0">
-                <a:latin typeface="Times New Roman" panose="02020603050405020304" pitchFamily="18" charset="0"/>
-                <a:cs typeface="Times New Roman" panose="02020603050405020304" pitchFamily="18" charset="0"/>
-              </a:rPr>
-              <a:t> to forecast future employability trends and identify high-potential employees for leadership roles.</a:t>
-            </a:r>
+            <a:endParaRPr lang="en-US" dirty="0">
+              <a:latin typeface="Times New Roman" panose="02020603050405020304" pitchFamily="18" charset="0"/>
+              <a:cs typeface="Times New Roman" panose="02020603050405020304" pitchFamily="18" charset="0"/>
+            </a:endParaRPr>
           </a:p>
         </p:txBody>
       </p:sp>
